--- a/Weekly-Reports/GenericLossAnalysis_v1.pptx
+++ b/Weekly-Reports/GenericLossAnalysis_v1.pptx
@@ -261,7 +261,7 @@
           <a:p>
             <a:fld id="{5CA0357E-35DB-4589-AC4C-4AF298A8BBF3}" type="datetimeFigureOut">
               <a:rPr lang="sv-SE" smtClean="0"/>
-              <a:t>2023-08-08</a:t>
+              <a:t>2023-09-17</a:t>
             </a:fld>
             <a:endParaRPr lang="sv-SE"/>
           </a:p>
@@ -431,7 +431,7 @@
           <a:p>
             <a:fld id="{5CA0357E-35DB-4589-AC4C-4AF298A8BBF3}" type="datetimeFigureOut">
               <a:rPr lang="sv-SE" smtClean="0"/>
-              <a:t>2023-08-08</a:t>
+              <a:t>2023-09-17</a:t>
             </a:fld>
             <a:endParaRPr lang="sv-SE"/>
           </a:p>
@@ -611,7 +611,7 @@
           <a:p>
             <a:fld id="{5CA0357E-35DB-4589-AC4C-4AF298A8BBF3}" type="datetimeFigureOut">
               <a:rPr lang="sv-SE" smtClean="0"/>
-              <a:t>2023-08-08</a:t>
+              <a:t>2023-09-17</a:t>
             </a:fld>
             <a:endParaRPr lang="sv-SE"/>
           </a:p>
@@ -781,7 +781,7 @@
           <a:p>
             <a:fld id="{5CA0357E-35DB-4589-AC4C-4AF298A8BBF3}" type="datetimeFigureOut">
               <a:rPr lang="sv-SE" smtClean="0"/>
-              <a:t>2023-08-08</a:t>
+              <a:t>2023-09-17</a:t>
             </a:fld>
             <a:endParaRPr lang="sv-SE"/>
           </a:p>
@@ -1027,7 +1027,7 @@
           <a:p>
             <a:fld id="{5CA0357E-35DB-4589-AC4C-4AF298A8BBF3}" type="datetimeFigureOut">
               <a:rPr lang="sv-SE" smtClean="0"/>
-              <a:t>2023-08-08</a:t>
+              <a:t>2023-09-17</a:t>
             </a:fld>
             <a:endParaRPr lang="sv-SE"/>
           </a:p>
@@ -1259,7 +1259,7 @@
           <a:p>
             <a:fld id="{5CA0357E-35DB-4589-AC4C-4AF298A8BBF3}" type="datetimeFigureOut">
               <a:rPr lang="sv-SE" smtClean="0"/>
-              <a:t>2023-08-08</a:t>
+              <a:t>2023-09-17</a:t>
             </a:fld>
             <a:endParaRPr lang="sv-SE"/>
           </a:p>
@@ -1626,7 +1626,7 @@
           <a:p>
             <a:fld id="{5CA0357E-35DB-4589-AC4C-4AF298A8BBF3}" type="datetimeFigureOut">
               <a:rPr lang="sv-SE" smtClean="0"/>
-              <a:t>2023-08-08</a:t>
+              <a:t>2023-09-17</a:t>
             </a:fld>
             <a:endParaRPr lang="sv-SE"/>
           </a:p>
@@ -1744,7 +1744,7 @@
           <a:p>
             <a:fld id="{5CA0357E-35DB-4589-AC4C-4AF298A8BBF3}" type="datetimeFigureOut">
               <a:rPr lang="sv-SE" smtClean="0"/>
-              <a:t>2023-08-08</a:t>
+              <a:t>2023-09-17</a:t>
             </a:fld>
             <a:endParaRPr lang="sv-SE"/>
           </a:p>
@@ -1839,7 +1839,7 @@
           <a:p>
             <a:fld id="{5CA0357E-35DB-4589-AC4C-4AF298A8BBF3}" type="datetimeFigureOut">
               <a:rPr lang="sv-SE" smtClean="0"/>
-              <a:t>2023-08-08</a:t>
+              <a:t>2023-09-17</a:t>
             </a:fld>
             <a:endParaRPr lang="sv-SE"/>
           </a:p>
@@ -2116,7 +2116,7 @@
           <a:p>
             <a:fld id="{5CA0357E-35DB-4589-AC4C-4AF298A8BBF3}" type="datetimeFigureOut">
               <a:rPr lang="sv-SE" smtClean="0"/>
-              <a:t>2023-08-08</a:t>
+              <a:t>2023-09-17</a:t>
             </a:fld>
             <a:endParaRPr lang="sv-SE"/>
           </a:p>
@@ -2369,7 +2369,7 @@
           <a:p>
             <a:fld id="{5CA0357E-35DB-4589-AC4C-4AF298A8BBF3}" type="datetimeFigureOut">
               <a:rPr lang="sv-SE" smtClean="0"/>
-              <a:t>2023-08-08</a:t>
+              <a:t>2023-09-17</a:t>
             </a:fld>
             <a:endParaRPr lang="sv-SE"/>
           </a:p>
@@ -2582,7 +2582,7 @@
           <a:p>
             <a:fld id="{5CA0357E-35DB-4589-AC4C-4AF298A8BBF3}" type="datetimeFigureOut">
               <a:rPr lang="sv-SE" smtClean="0"/>
-              <a:t>2023-08-08</a:t>
+              <a:t>2023-09-17</a:t>
             </a:fld>
             <a:endParaRPr lang="sv-SE"/>
           </a:p>
@@ -3023,8 +3023,8 @@
           </a:p>
         </p:txBody>
       </p:sp>
-      <mc:AlternateContent xmlns:mc="http://schemas.openxmlformats.org/markup-compatibility/2006" xmlns:a14="http://schemas.microsoft.com/office/drawing/2010/main">
-        <mc:Choice Requires="a14">
+      <mc:AlternateContent xmlns:mc="http://schemas.openxmlformats.org/markup-compatibility/2006">
+        <mc:Choice xmlns:a14="http://schemas.microsoft.com/office/drawing/2010/main" Requires="a14">
           <p:sp>
             <p:nvSpPr>
               <p:cNvPr id="16" name="Rectangle 15"/>
@@ -3292,7 +3292,7 @@
             </p:txBody>
           </p:sp>
         </mc:Choice>
-        <mc:Fallback xmlns="">
+        <mc:Fallback>
           <p:sp>
             <p:nvSpPr>
               <p:cNvPr id="16" name="Rectangle 15"/>
@@ -14143,8 +14143,8 @@
           </p:sp>
         </mc:Fallback>
       </mc:AlternateContent>
-      <mc:AlternateContent xmlns:mc="http://schemas.openxmlformats.org/markup-compatibility/2006" xmlns:a14="http://schemas.microsoft.com/office/drawing/2010/main">
-        <mc:Choice Requires="a14">
+      <mc:AlternateContent xmlns:mc="http://schemas.openxmlformats.org/markup-compatibility/2006">
+        <mc:Choice xmlns:a14="http://schemas.microsoft.com/office/drawing/2010/main" Requires="a14">
           <p:sp>
             <p:nvSpPr>
               <p:cNvPr id="7" name="Rectangle 6"/>
@@ -14415,7 +14415,7 @@
             </p:txBody>
           </p:sp>
         </mc:Choice>
-        <mc:Fallback xmlns="">
+        <mc:Fallback>
           <p:sp>
             <p:nvSpPr>
               <p:cNvPr id="7" name="Rectangle 6"/>
@@ -20081,7 +20081,7 @@
         <p:spPr>
           <a:xfrm>
             <a:off x="838200" y="-101600"/>
-            <a:ext cx="10515600" cy="1325563"/>
+            <a:ext cx="10515600" cy="1384968"/>
           </a:xfrm>
         </p:spPr>
         <p:txBody>
